--- a/Jmeter.pptx
+++ b/Jmeter.pptx
@@ -14,6 +14,27 @@
     <p:sldId id="262" r:id="rId8"/>
     <p:sldId id="263" r:id="rId9"/>
     <p:sldId id="264" r:id="rId10"/>
+    <p:sldId id="265" r:id="rId11"/>
+    <p:sldId id="266" r:id="rId12"/>
+    <p:sldId id="267" r:id="rId13"/>
+    <p:sldId id="268" r:id="rId14"/>
+    <p:sldId id="269" r:id="rId15"/>
+    <p:sldId id="270" r:id="rId16"/>
+    <p:sldId id="271" r:id="rId17"/>
+    <p:sldId id="272" r:id="rId18"/>
+    <p:sldId id="273" r:id="rId19"/>
+    <p:sldId id="274" r:id="rId20"/>
+    <p:sldId id="275" r:id="rId21"/>
+    <p:sldId id="276" r:id="rId22"/>
+    <p:sldId id="277" r:id="rId23"/>
+    <p:sldId id="278" r:id="rId24"/>
+    <p:sldId id="279" r:id="rId25"/>
+    <p:sldId id="280" r:id="rId26"/>
+    <p:sldId id="281" r:id="rId27"/>
+    <p:sldId id="282" r:id="rId28"/>
+    <p:sldId id="283" r:id="rId29"/>
+    <p:sldId id="284" r:id="rId30"/>
+    <p:sldId id="285" r:id="rId31"/>
   </p:sldIdLst>
   <p:sldSz cx="12192000" cy="6858000"/>
   <p:notesSz cx="6858000" cy="9144000"/>
@@ -112,7 +133,38 @@
       </a:defRPr>
     </a:lvl9pPr>
   </p:defaultTextStyle>
+  <p:extLst>
+    <p:ext uri="{EFAFB233-063F-42B5-8137-9DF3F51BA10A}">
+      <p15:sldGuideLst xmlns:p15="http://schemas.microsoft.com/office/powerpoint/2012/main"/>
+    </p:ext>
+  </p:extLst>
 </p:presentation>
+</file>
+
+<file path=ppt/commentAuthors.xml><?xml version="1.0" encoding="utf-8"?>
+<p:cmAuthorLst xmlns:a="http://schemas.openxmlformats.org/drawingml/2006/main" xmlns:r="http://schemas.openxmlformats.org/officeDocument/2006/relationships" xmlns:p="http://schemas.openxmlformats.org/presentationml/2006/main">
+  <p:cmAuthor id="1" name="TTN" initials="T" lastIdx="1" clrIdx="0">
+    <p:extLst>
+      <p:ext uri="{19B8F6BF-5375-455C-9EA6-DF929625EA0E}">
+        <p15:presenceInfo xmlns:p15="http://schemas.microsoft.com/office/powerpoint/2012/main" userId="TTN" providerId="None"/>
+      </p:ext>
+    </p:extLst>
+  </p:cmAuthor>
+</p:cmAuthorLst>
+</file>
+
+<file path=ppt/comments/comment1.xml><?xml version="1.0" encoding="utf-8"?>
+<p:cmLst xmlns:a="http://schemas.openxmlformats.org/drawingml/2006/main" xmlns:r="http://schemas.openxmlformats.org/officeDocument/2006/relationships" xmlns:p="http://schemas.openxmlformats.org/presentationml/2006/main">
+  <p:cm authorId="1" dt="2021-06-22T13:46:27.659" idx="1">
+    <p:pos x="10" y="10"/>
+    <p:text/>
+    <p:extLst>
+      <p:ext uri="{C676402C-5697-4E1C-873F-D02D1690AC5C}">
+        <p15:threadingInfo xmlns:p15="http://schemas.microsoft.com/office/powerpoint/2012/main" timeZoneBias="-180"/>
+      </p:ext>
+    </p:extLst>
+  </p:cm>
+</p:cmLst>
 </file>
 
 <file path=ppt/slideLayouts/slideLayout1.xml><?xml version="1.0" encoding="utf-8"?>
@@ -301,7 +353,7 @@
           <a:p>
             <a:fld id="{6854FCF5-C728-43F7-A50A-C25823153AF0}" type="datetimeFigureOut">
               <a:rPr lang="ru-RU" smtClean="0"/>
-              <a:t>18.06.2021</a:t>
+              <a:t>22.06.2021</a:t>
             </a:fld>
             <a:endParaRPr lang="ru-RU"/>
           </a:p>
@@ -576,7 +628,7 @@
           <a:p>
             <a:fld id="{6854FCF5-C728-43F7-A50A-C25823153AF0}" type="datetimeFigureOut">
               <a:rPr lang="ru-RU" smtClean="0"/>
-              <a:t>18.06.2021</a:t>
+              <a:t>22.06.2021</a:t>
             </a:fld>
             <a:endParaRPr lang="ru-RU"/>
           </a:p>
@@ -770,7 +822,7 @@
           <a:p>
             <a:fld id="{6854FCF5-C728-43F7-A50A-C25823153AF0}" type="datetimeFigureOut">
               <a:rPr lang="ru-RU" smtClean="0"/>
-              <a:t>18.06.2021</a:t>
+              <a:t>22.06.2021</a:t>
             </a:fld>
             <a:endParaRPr lang="ru-RU"/>
           </a:p>
@@ -1043,7 +1095,7 @@
           <a:p>
             <a:fld id="{6854FCF5-C728-43F7-A50A-C25823153AF0}" type="datetimeFigureOut">
               <a:rPr lang="ru-RU" smtClean="0"/>
-              <a:t>18.06.2021</a:t>
+              <a:t>22.06.2021</a:t>
             </a:fld>
             <a:endParaRPr lang="ru-RU"/>
           </a:p>
@@ -1384,7 +1436,7 @@
           <a:p>
             <a:fld id="{6854FCF5-C728-43F7-A50A-C25823153AF0}" type="datetimeFigureOut">
               <a:rPr lang="ru-RU" smtClean="0"/>
-              <a:t>18.06.2021</a:t>
+              <a:t>22.06.2021</a:t>
             </a:fld>
             <a:endParaRPr lang="ru-RU"/>
           </a:p>
@@ -2007,7 +2059,7 @@
           <a:p>
             <a:fld id="{6854FCF5-C728-43F7-A50A-C25823153AF0}" type="datetimeFigureOut">
               <a:rPr lang="ru-RU" smtClean="0"/>
-              <a:t>18.06.2021</a:t>
+              <a:t>22.06.2021</a:t>
             </a:fld>
             <a:endParaRPr lang="ru-RU"/>
           </a:p>
@@ -2867,7 +2919,7 @@
           <a:p>
             <a:fld id="{6854FCF5-C728-43F7-A50A-C25823153AF0}" type="datetimeFigureOut">
               <a:rPr lang="ru-RU" smtClean="0"/>
-              <a:t>18.06.2021</a:t>
+              <a:t>22.06.2021</a:t>
             </a:fld>
             <a:endParaRPr lang="ru-RU"/>
           </a:p>
@@ -3037,7 +3089,7 @@
           <a:p>
             <a:fld id="{6854FCF5-C728-43F7-A50A-C25823153AF0}" type="datetimeFigureOut">
               <a:rPr lang="ru-RU" smtClean="0"/>
-              <a:t>18.06.2021</a:t>
+              <a:t>22.06.2021</a:t>
             </a:fld>
             <a:endParaRPr lang="ru-RU"/>
           </a:p>
@@ -3217,7 +3269,7 @@
           <a:p>
             <a:fld id="{6854FCF5-C728-43F7-A50A-C25823153AF0}" type="datetimeFigureOut">
               <a:rPr lang="ru-RU" smtClean="0"/>
-              <a:t>18.06.2021</a:t>
+              <a:t>22.06.2021</a:t>
             </a:fld>
             <a:endParaRPr lang="ru-RU"/>
           </a:p>
@@ -3387,7 +3439,7 @@
           <a:p>
             <a:fld id="{6854FCF5-C728-43F7-A50A-C25823153AF0}" type="datetimeFigureOut">
               <a:rPr lang="ru-RU" smtClean="0"/>
-              <a:t>18.06.2021</a:t>
+              <a:t>22.06.2021</a:t>
             </a:fld>
             <a:endParaRPr lang="ru-RU"/>
           </a:p>
@@ -3634,7 +3686,7 @@
           <a:p>
             <a:fld id="{6854FCF5-C728-43F7-A50A-C25823153AF0}" type="datetimeFigureOut">
               <a:rPr lang="ru-RU" smtClean="0"/>
-              <a:t>18.06.2021</a:t>
+              <a:t>22.06.2021</a:t>
             </a:fld>
             <a:endParaRPr lang="ru-RU"/>
           </a:p>
@@ -3926,7 +3978,7 @@
           <a:p>
             <a:fld id="{6854FCF5-C728-43F7-A50A-C25823153AF0}" type="datetimeFigureOut">
               <a:rPr lang="ru-RU" smtClean="0"/>
-              <a:t>18.06.2021</a:t>
+              <a:t>22.06.2021</a:t>
             </a:fld>
             <a:endParaRPr lang="ru-RU"/>
           </a:p>
@@ -4370,7 +4422,7 @@
           <a:p>
             <a:fld id="{6854FCF5-C728-43F7-A50A-C25823153AF0}" type="datetimeFigureOut">
               <a:rPr lang="ru-RU" smtClean="0"/>
-              <a:t>18.06.2021</a:t>
+              <a:t>22.06.2021</a:t>
             </a:fld>
             <a:endParaRPr lang="ru-RU"/>
           </a:p>
@@ -4488,7 +4540,7 @@
           <a:p>
             <a:fld id="{6854FCF5-C728-43F7-A50A-C25823153AF0}" type="datetimeFigureOut">
               <a:rPr lang="ru-RU" smtClean="0"/>
-              <a:t>18.06.2021</a:t>
+              <a:t>22.06.2021</a:t>
             </a:fld>
             <a:endParaRPr lang="ru-RU"/>
           </a:p>
@@ -4583,7 +4635,7 @@
           <a:p>
             <a:fld id="{6854FCF5-C728-43F7-A50A-C25823153AF0}" type="datetimeFigureOut">
               <a:rPr lang="ru-RU" smtClean="0"/>
-              <a:t>18.06.2021</a:t>
+              <a:t>22.06.2021</a:t>
             </a:fld>
             <a:endParaRPr lang="ru-RU"/>
           </a:p>
@@ -4862,7 +4914,7 @@
           <a:p>
             <a:fld id="{6854FCF5-C728-43F7-A50A-C25823153AF0}" type="datetimeFigureOut">
               <a:rPr lang="ru-RU" smtClean="0"/>
-              <a:t>18.06.2021</a:t>
+              <a:t>22.06.2021</a:t>
             </a:fld>
             <a:endParaRPr lang="ru-RU"/>
           </a:p>
@@ -5137,7 +5189,7 @@
           <a:p>
             <a:fld id="{6854FCF5-C728-43F7-A50A-C25823153AF0}" type="datetimeFigureOut">
               <a:rPr lang="ru-RU" smtClean="0"/>
-              <a:t>18.06.2021</a:t>
+              <a:t>22.06.2021</a:t>
             </a:fld>
             <a:endParaRPr lang="ru-RU"/>
           </a:p>
@@ -5566,7 +5618,7 @@
           <a:p>
             <a:fld id="{6854FCF5-C728-43F7-A50A-C25823153AF0}" type="datetimeFigureOut">
               <a:rPr lang="ru-RU" smtClean="0"/>
-              <a:t>18.06.2021</a:t>
+              <a:t>22.06.2021</a:t>
             </a:fld>
             <a:endParaRPr lang="ru-RU"/>
           </a:p>
@@ -6185,6 +6237,901 @@
 </p:sld>
 </file>
 
+<file path=ppt/slides/slide10.xml><?xml version="1.0" encoding="utf-8"?>
+<p:sld xmlns:a="http://schemas.openxmlformats.org/drawingml/2006/main" xmlns:r="http://schemas.openxmlformats.org/officeDocument/2006/relationships" xmlns:p="http://schemas.openxmlformats.org/presentationml/2006/main">
+  <p:cSld>
+    <p:spTree>
+      <p:nvGrpSpPr>
+        <p:cNvPr id="1" name=""/>
+        <p:cNvGrpSpPr/>
+        <p:nvPr/>
+      </p:nvGrpSpPr>
+      <p:grpSpPr>
+        <a:xfrm>
+          <a:off x="0" y="0"/>
+          <a:ext cx="0" cy="0"/>
+          <a:chOff x="0" y="0"/>
+          <a:chExt cx="0" cy="0"/>
+        </a:xfrm>
+      </p:grpSpPr>
+      <p:sp>
+        <p:nvSpPr>
+          <p:cNvPr id="2" name="Заголовок 1"/>
+          <p:cNvSpPr>
+            <a:spLocks noGrp="1"/>
+          </p:cNvSpPr>
+          <p:nvPr>
+            <p:ph type="title"/>
+          </p:nvPr>
+        </p:nvSpPr>
+        <p:spPr/>
+        <p:txBody>
+          <a:bodyPr/>
+          <a:lstStyle/>
+          <a:p>
+            <a:pPr algn="ctr"/>
+            <a:r>
+              <a:rPr lang="ru-RU" dirty="0" smtClean="0"/>
+              <a:t>Задание 2</a:t>
+            </a:r>
+            <a:endParaRPr lang="ru-RU" dirty="0"/>
+          </a:p>
+        </p:txBody>
+      </p:sp>
+      <p:sp>
+        <p:nvSpPr>
+          <p:cNvPr id="3" name="Объект 2"/>
+          <p:cNvSpPr>
+            <a:spLocks noGrp="1"/>
+          </p:cNvSpPr>
+          <p:nvPr>
+            <p:ph idx="1"/>
+          </p:nvPr>
+        </p:nvSpPr>
+        <p:spPr/>
+        <p:txBody>
+          <a:bodyPr/>
+          <a:lstStyle/>
+          <a:p>
+            <a:pPr algn="ctr"/>
+            <a:endParaRPr lang="ru-RU" dirty="0" smtClean="0"/>
+          </a:p>
+          <a:p>
+            <a:pPr algn="ctr"/>
+            <a:endParaRPr lang="ru-RU" dirty="0"/>
+          </a:p>
+          <a:p>
+            <a:pPr algn="ctr"/>
+            <a:endParaRPr lang="ru-RU" dirty="0" smtClean="0"/>
+          </a:p>
+          <a:p>
+            <a:pPr algn="ctr"/>
+            <a:r>
+              <a:rPr lang="ru-RU" dirty="0" smtClean="0"/>
+              <a:t>Передача </a:t>
+            </a:r>
+            <a:r>
+              <a:rPr lang="ru-RU" dirty="0" err="1" smtClean="0"/>
+              <a:t>токена</a:t>
+            </a:r>
+            <a:r>
+              <a:rPr lang="ru-RU" dirty="0" smtClean="0"/>
+              <a:t> в другие тесты</a:t>
+            </a:r>
+            <a:endParaRPr lang="ru-RU" dirty="0"/>
+          </a:p>
+        </p:txBody>
+      </p:sp>
+    </p:spTree>
+    <p:extLst>
+      <p:ext uri="{BB962C8B-B14F-4D97-AF65-F5344CB8AC3E}">
+        <p14:creationId xmlns:p14="http://schemas.microsoft.com/office/powerpoint/2010/main" val="2698200873"/>
+      </p:ext>
+    </p:extLst>
+  </p:cSld>
+  <p:clrMapOvr>
+    <a:masterClrMapping/>
+  </p:clrMapOvr>
+</p:sld>
+</file>
+
+<file path=ppt/slides/slide11.xml><?xml version="1.0" encoding="utf-8"?>
+<p:sld xmlns:a="http://schemas.openxmlformats.org/drawingml/2006/main" xmlns:r="http://schemas.openxmlformats.org/officeDocument/2006/relationships" xmlns:p="http://schemas.openxmlformats.org/presentationml/2006/main">
+  <p:cSld>
+    <p:spTree>
+      <p:nvGrpSpPr>
+        <p:cNvPr id="1" name=""/>
+        <p:cNvGrpSpPr/>
+        <p:nvPr/>
+      </p:nvGrpSpPr>
+      <p:grpSpPr>
+        <a:xfrm>
+          <a:off x="0" y="0"/>
+          <a:ext cx="0" cy="0"/>
+          <a:chOff x="0" y="0"/>
+          <a:chExt cx="0" cy="0"/>
+        </a:xfrm>
+      </p:grpSpPr>
+      <p:sp>
+        <p:nvSpPr>
+          <p:cNvPr id="2" name="Заголовок 1"/>
+          <p:cNvSpPr>
+            <a:spLocks noGrp="1"/>
+          </p:cNvSpPr>
+          <p:nvPr>
+            <p:ph type="title"/>
+          </p:nvPr>
+        </p:nvSpPr>
+        <p:spPr/>
+        <p:txBody>
+          <a:bodyPr/>
+          <a:lstStyle/>
+          <a:p>
+            <a:pPr algn="ctr"/>
+            <a:r>
+              <a:rPr lang="ru-RU" dirty="0" smtClean="0"/>
+              <a:t>Скачиваем и добавляем в </a:t>
+            </a:r>
+            <a:r>
+              <a:rPr lang="en-US" dirty="0" smtClean="0"/>
+              <a:t>lib\</a:t>
+            </a:r>
+            <a:r>
+              <a:rPr lang="en-US" dirty="0" err="1" smtClean="0"/>
+              <a:t>ext</a:t>
+            </a:r>
+            <a:r>
+              <a:rPr lang="en-US" dirty="0" smtClean="0"/>
+              <a:t> </a:t>
+            </a:r>
+            <a:r>
+              <a:rPr lang="ru-RU" dirty="0" smtClean="0"/>
+              <a:t>плагин </a:t>
+            </a:r>
+            <a:r>
+              <a:rPr lang="en-US" dirty="0"/>
+              <a:t>Stepping Thread Group</a:t>
+            </a:r>
+            <a:endParaRPr lang="ru-RU" dirty="0"/>
+          </a:p>
+        </p:txBody>
+      </p:sp>
+      <p:pic>
+        <p:nvPicPr>
+          <p:cNvPr id="4" name="Объект 3"/>
+          <p:cNvPicPr>
+            <a:picLocks noGrp="1" noChangeAspect="1"/>
+          </p:cNvPicPr>
+          <p:nvPr>
+            <p:ph idx="1"/>
+          </p:nvPr>
+        </p:nvPicPr>
+        <p:blipFill>
+          <a:blip r:embed="rId2"/>
+          <a:stretch>
+            <a:fillRect/>
+          </a:stretch>
+        </p:blipFill>
+        <p:spPr>
+          <a:xfrm>
+            <a:off x="1281113" y="3064669"/>
+            <a:ext cx="8591550" cy="2171700"/>
+          </a:xfrm>
+          <a:prstGeom prst="rect">
+            <a:avLst/>
+          </a:prstGeom>
+        </p:spPr>
+      </p:pic>
+    </p:spTree>
+    <p:extLst>
+      <p:ext uri="{BB962C8B-B14F-4D97-AF65-F5344CB8AC3E}">
+        <p14:creationId xmlns:p14="http://schemas.microsoft.com/office/powerpoint/2010/main" val="1281609329"/>
+      </p:ext>
+    </p:extLst>
+  </p:cSld>
+  <p:clrMapOvr>
+    <a:masterClrMapping/>
+  </p:clrMapOvr>
+</p:sld>
+</file>
+
+<file path=ppt/slides/slide12.xml><?xml version="1.0" encoding="utf-8"?>
+<p:sld xmlns:a="http://schemas.openxmlformats.org/drawingml/2006/main" xmlns:r="http://schemas.openxmlformats.org/officeDocument/2006/relationships" xmlns:p="http://schemas.openxmlformats.org/presentationml/2006/main">
+  <p:cSld>
+    <p:spTree>
+      <p:nvGrpSpPr>
+        <p:cNvPr id="1" name=""/>
+        <p:cNvGrpSpPr/>
+        <p:nvPr/>
+      </p:nvGrpSpPr>
+      <p:grpSpPr>
+        <a:xfrm>
+          <a:off x="0" y="0"/>
+          <a:ext cx="0" cy="0"/>
+          <a:chOff x="0" y="0"/>
+          <a:chExt cx="0" cy="0"/>
+        </a:xfrm>
+      </p:grpSpPr>
+      <p:sp>
+        <p:nvSpPr>
+          <p:cNvPr id="2" name="Заголовок 1"/>
+          <p:cNvSpPr>
+            <a:spLocks noGrp="1"/>
+          </p:cNvSpPr>
+          <p:nvPr>
+            <p:ph type="title"/>
+          </p:nvPr>
+        </p:nvSpPr>
+        <p:spPr/>
+        <p:txBody>
+          <a:bodyPr/>
+          <a:lstStyle/>
+          <a:p>
+            <a:r>
+              <a:rPr lang="ru-RU" dirty="0" smtClean="0"/>
+              <a:t>Создаем запрос</a:t>
+            </a:r>
+            <a:endParaRPr lang="ru-RU" dirty="0"/>
+          </a:p>
+        </p:txBody>
+      </p:sp>
+      <p:pic>
+        <p:nvPicPr>
+          <p:cNvPr id="4" name="Объект 3"/>
+          <p:cNvPicPr>
+            <a:picLocks noGrp="1" noChangeAspect="1"/>
+          </p:cNvPicPr>
+          <p:nvPr>
+            <p:ph idx="1"/>
+          </p:nvPr>
+        </p:nvPicPr>
+        <p:blipFill>
+          <a:blip r:embed="rId2"/>
+          <a:stretch>
+            <a:fillRect/>
+          </a:stretch>
+        </p:blipFill>
+        <p:spPr>
+          <a:xfrm>
+            <a:off x="1103313" y="2655364"/>
+            <a:ext cx="8947150" cy="2990309"/>
+          </a:xfrm>
+          <a:prstGeom prst="rect">
+            <a:avLst/>
+          </a:prstGeom>
+        </p:spPr>
+      </p:pic>
+    </p:spTree>
+    <p:extLst>
+      <p:ext uri="{BB962C8B-B14F-4D97-AF65-F5344CB8AC3E}">
+        <p14:creationId xmlns:p14="http://schemas.microsoft.com/office/powerpoint/2010/main" val="3721375365"/>
+      </p:ext>
+    </p:extLst>
+  </p:cSld>
+  <p:clrMapOvr>
+    <a:masterClrMapping/>
+  </p:clrMapOvr>
+</p:sld>
+</file>
+
+<file path=ppt/slides/slide13.xml><?xml version="1.0" encoding="utf-8"?>
+<p:sld xmlns:a="http://schemas.openxmlformats.org/drawingml/2006/main" xmlns:r="http://schemas.openxmlformats.org/officeDocument/2006/relationships" xmlns:p="http://schemas.openxmlformats.org/presentationml/2006/main">
+  <p:cSld>
+    <p:spTree>
+      <p:nvGrpSpPr>
+        <p:cNvPr id="1" name=""/>
+        <p:cNvGrpSpPr/>
+        <p:nvPr/>
+      </p:nvGrpSpPr>
+      <p:grpSpPr>
+        <a:xfrm>
+          <a:off x="0" y="0"/>
+          <a:ext cx="0" cy="0"/>
+          <a:chOff x="0" y="0"/>
+          <a:chExt cx="0" cy="0"/>
+        </a:xfrm>
+      </p:grpSpPr>
+      <p:sp>
+        <p:nvSpPr>
+          <p:cNvPr id="2" name="Заголовок 1"/>
+          <p:cNvSpPr>
+            <a:spLocks noGrp="1"/>
+          </p:cNvSpPr>
+          <p:nvPr>
+            <p:ph type="title"/>
+          </p:nvPr>
+        </p:nvSpPr>
+        <p:spPr/>
+        <p:txBody>
+          <a:bodyPr/>
+          <a:lstStyle/>
+          <a:p>
+            <a:pPr algn="ctr"/>
+            <a:r>
+              <a:rPr lang="ru-RU" dirty="0" smtClean="0"/>
+              <a:t>С помощью этого </a:t>
+            </a:r>
+            <a:r>
+              <a:rPr lang="en-US" dirty="0" err="1" smtClean="0"/>
+              <a:t>json</a:t>
+            </a:r>
+            <a:r>
+              <a:rPr lang="ru-RU" dirty="0" smtClean="0"/>
+              <a:t> забираем </a:t>
+            </a:r>
+            <a:r>
+              <a:rPr lang="ru-RU" dirty="0" err="1" smtClean="0"/>
+              <a:t>токен</a:t>
+            </a:r>
+            <a:r>
+              <a:rPr lang="ru-RU" dirty="0" smtClean="0"/>
+              <a:t> из </a:t>
+            </a:r>
+            <a:r>
+              <a:rPr lang="ru-RU" dirty="0" err="1" smtClean="0"/>
+              <a:t>боди</a:t>
+            </a:r>
+            <a:r>
+              <a:rPr lang="ru-RU" dirty="0" smtClean="0"/>
+              <a:t> нашего ответа</a:t>
+            </a:r>
+            <a:endParaRPr lang="ru-RU" dirty="0"/>
+          </a:p>
+        </p:txBody>
+      </p:sp>
+      <p:pic>
+        <p:nvPicPr>
+          <p:cNvPr id="4" name="Объект 3"/>
+          <p:cNvPicPr>
+            <a:picLocks noGrp="1" noChangeAspect="1"/>
+          </p:cNvPicPr>
+          <p:nvPr>
+            <p:ph idx="1"/>
+          </p:nvPr>
+        </p:nvPicPr>
+        <p:blipFill>
+          <a:blip r:embed="rId2"/>
+          <a:stretch>
+            <a:fillRect/>
+          </a:stretch>
+        </p:blipFill>
+        <p:spPr>
+          <a:xfrm>
+            <a:off x="1519238" y="2274094"/>
+            <a:ext cx="8115300" cy="3752850"/>
+          </a:xfrm>
+          <a:prstGeom prst="rect">
+            <a:avLst/>
+          </a:prstGeom>
+        </p:spPr>
+      </p:pic>
+    </p:spTree>
+    <p:extLst>
+      <p:ext uri="{BB962C8B-B14F-4D97-AF65-F5344CB8AC3E}">
+        <p14:creationId xmlns:p14="http://schemas.microsoft.com/office/powerpoint/2010/main" val="4074359134"/>
+      </p:ext>
+    </p:extLst>
+  </p:cSld>
+  <p:clrMapOvr>
+    <a:masterClrMapping/>
+  </p:clrMapOvr>
+</p:sld>
+</file>
+
+<file path=ppt/slides/slide14.xml><?xml version="1.0" encoding="utf-8"?>
+<p:sld xmlns:a="http://schemas.openxmlformats.org/drawingml/2006/main" xmlns:r="http://schemas.openxmlformats.org/officeDocument/2006/relationships" xmlns:p="http://schemas.openxmlformats.org/presentationml/2006/main">
+  <p:cSld>
+    <p:spTree>
+      <p:nvGrpSpPr>
+        <p:cNvPr id="1" name=""/>
+        <p:cNvGrpSpPr/>
+        <p:nvPr/>
+      </p:nvGrpSpPr>
+      <p:grpSpPr>
+        <a:xfrm>
+          <a:off x="0" y="0"/>
+          <a:ext cx="0" cy="0"/>
+          <a:chOff x="0" y="0"/>
+          <a:chExt cx="0" cy="0"/>
+        </a:xfrm>
+      </p:grpSpPr>
+      <p:sp>
+        <p:nvSpPr>
+          <p:cNvPr id="2" name="Заголовок 1"/>
+          <p:cNvSpPr>
+            <a:spLocks noGrp="1"/>
+          </p:cNvSpPr>
+          <p:nvPr>
+            <p:ph type="title"/>
+          </p:nvPr>
+        </p:nvSpPr>
+        <p:spPr/>
+        <p:txBody>
+          <a:bodyPr/>
+          <a:lstStyle/>
+          <a:p>
+            <a:pPr algn="ctr"/>
+            <a:r>
+              <a:rPr lang="ru-RU" dirty="0" smtClean="0"/>
+              <a:t>Параметры прописываемые  в </a:t>
+            </a:r>
+            <a:r>
+              <a:rPr lang="en-US" dirty="0" err="1" smtClean="0"/>
+              <a:t>json</a:t>
+            </a:r>
+            <a:r>
+              <a:rPr lang="en-US" dirty="0" smtClean="0"/>
+              <a:t> extractor</a:t>
+            </a:r>
+            <a:endParaRPr lang="ru-RU" dirty="0"/>
+          </a:p>
+        </p:txBody>
+      </p:sp>
+      <p:pic>
+        <p:nvPicPr>
+          <p:cNvPr id="4" name="Объект 3"/>
+          <p:cNvPicPr>
+            <a:picLocks noGrp="1" noChangeAspect="1"/>
+          </p:cNvPicPr>
+          <p:nvPr>
+            <p:ph idx="1"/>
+          </p:nvPr>
+        </p:nvPicPr>
+        <p:blipFill>
+          <a:blip r:embed="rId2"/>
+          <a:stretch>
+            <a:fillRect/>
+          </a:stretch>
+        </p:blipFill>
+        <p:spPr>
+          <a:xfrm>
+            <a:off x="1103313" y="2900490"/>
+            <a:ext cx="8947150" cy="2500057"/>
+          </a:xfrm>
+          <a:prstGeom prst="rect">
+            <a:avLst/>
+          </a:prstGeom>
+        </p:spPr>
+      </p:pic>
+    </p:spTree>
+    <p:extLst>
+      <p:ext uri="{BB962C8B-B14F-4D97-AF65-F5344CB8AC3E}">
+        <p14:creationId xmlns:p14="http://schemas.microsoft.com/office/powerpoint/2010/main" val="357433345"/>
+      </p:ext>
+    </p:extLst>
+  </p:cSld>
+  <p:clrMapOvr>
+    <a:masterClrMapping/>
+  </p:clrMapOvr>
+</p:sld>
+</file>
+
+<file path=ppt/slides/slide15.xml><?xml version="1.0" encoding="utf-8"?>
+<p:sld xmlns:a="http://schemas.openxmlformats.org/drawingml/2006/main" xmlns:r="http://schemas.openxmlformats.org/officeDocument/2006/relationships" xmlns:p="http://schemas.openxmlformats.org/presentationml/2006/main">
+  <p:cSld>
+    <p:spTree>
+      <p:nvGrpSpPr>
+        <p:cNvPr id="1" name=""/>
+        <p:cNvGrpSpPr/>
+        <p:nvPr/>
+      </p:nvGrpSpPr>
+      <p:grpSpPr>
+        <a:xfrm>
+          <a:off x="0" y="0"/>
+          <a:ext cx="0" cy="0"/>
+          <a:chOff x="0" y="0"/>
+          <a:chExt cx="0" cy="0"/>
+        </a:xfrm>
+      </p:grpSpPr>
+      <p:sp>
+        <p:nvSpPr>
+          <p:cNvPr id="2" name="Заголовок 1"/>
+          <p:cNvSpPr>
+            <a:spLocks noGrp="1"/>
+          </p:cNvSpPr>
+          <p:nvPr>
+            <p:ph type="title"/>
+          </p:nvPr>
+        </p:nvSpPr>
+        <p:spPr/>
+        <p:txBody>
+          <a:bodyPr/>
+          <a:lstStyle/>
+          <a:p>
+            <a:pPr algn="ctr"/>
+            <a:r>
+              <a:rPr lang="ru-RU" sz="3200" dirty="0" smtClean="0"/>
+              <a:t>Далее нужно засунуть этот </a:t>
+            </a:r>
+            <a:r>
+              <a:rPr lang="ru-RU" sz="3200" dirty="0" err="1" smtClean="0"/>
+              <a:t>токен</a:t>
+            </a:r>
+            <a:r>
+              <a:rPr lang="ru-RU" sz="3200" dirty="0" smtClean="0"/>
+              <a:t> в общее окружение переменных  </a:t>
+            </a:r>
+            <a:r>
+              <a:rPr lang="en-US" sz="3200" dirty="0" err="1" smtClean="0"/>
+              <a:t>jmeter</a:t>
+            </a:r>
+            <a:endParaRPr lang="ru-RU" sz="3200" dirty="0"/>
+          </a:p>
+        </p:txBody>
+      </p:sp>
+      <p:pic>
+        <p:nvPicPr>
+          <p:cNvPr id="4" name="Объект 3"/>
+          <p:cNvPicPr>
+            <a:picLocks noGrp="1" noChangeAspect="1"/>
+          </p:cNvPicPr>
+          <p:nvPr>
+            <p:ph idx="1"/>
+          </p:nvPr>
+        </p:nvPicPr>
+        <p:blipFill>
+          <a:blip r:embed="rId2"/>
+          <a:stretch>
+            <a:fillRect/>
+          </a:stretch>
+        </p:blipFill>
+        <p:spPr>
+          <a:xfrm>
+            <a:off x="1686350" y="2052638"/>
+            <a:ext cx="7781075" cy="4195762"/>
+          </a:xfrm>
+          <a:prstGeom prst="rect">
+            <a:avLst/>
+          </a:prstGeom>
+        </p:spPr>
+      </p:pic>
+    </p:spTree>
+    <p:extLst>
+      <p:ext uri="{BB962C8B-B14F-4D97-AF65-F5344CB8AC3E}">
+        <p14:creationId xmlns:p14="http://schemas.microsoft.com/office/powerpoint/2010/main" val="764862697"/>
+      </p:ext>
+    </p:extLst>
+  </p:cSld>
+  <p:clrMapOvr>
+    <a:masterClrMapping/>
+  </p:clrMapOvr>
+</p:sld>
+</file>
+
+<file path=ppt/slides/slide16.xml><?xml version="1.0" encoding="utf-8"?>
+<p:sld xmlns:a="http://schemas.openxmlformats.org/drawingml/2006/main" xmlns:r="http://schemas.openxmlformats.org/officeDocument/2006/relationships" xmlns:p="http://schemas.openxmlformats.org/presentationml/2006/main">
+  <p:cSld>
+    <p:spTree>
+      <p:nvGrpSpPr>
+        <p:cNvPr id="1" name=""/>
+        <p:cNvGrpSpPr/>
+        <p:nvPr/>
+      </p:nvGrpSpPr>
+      <p:grpSpPr>
+        <a:xfrm>
+          <a:off x="0" y="0"/>
+          <a:ext cx="0" cy="0"/>
+          <a:chOff x="0" y="0"/>
+          <a:chExt cx="0" cy="0"/>
+        </a:xfrm>
+      </p:grpSpPr>
+      <p:sp>
+        <p:nvSpPr>
+          <p:cNvPr id="2" name="Заголовок 1"/>
+          <p:cNvSpPr>
+            <a:spLocks noGrp="1"/>
+          </p:cNvSpPr>
+          <p:nvPr>
+            <p:ph type="title"/>
+          </p:nvPr>
+        </p:nvSpPr>
+        <p:spPr/>
+        <p:txBody>
+          <a:bodyPr/>
+          <a:lstStyle/>
+          <a:p>
+            <a:pPr algn="ctr"/>
+            <a:r>
+              <a:rPr lang="ru-RU" dirty="0" smtClean="0"/>
+              <a:t>И прописываем скрипт</a:t>
+            </a:r>
+            <a:r>
+              <a:rPr lang="en-US" dirty="0" smtClean="0"/>
+              <a:t>:</a:t>
+            </a:r>
+            <a:endParaRPr lang="ru-RU" dirty="0"/>
+          </a:p>
+        </p:txBody>
+      </p:sp>
+      <p:pic>
+        <p:nvPicPr>
+          <p:cNvPr id="4" name="Объект 3"/>
+          <p:cNvPicPr>
+            <a:picLocks noGrp="1" noChangeAspect="1"/>
+          </p:cNvPicPr>
+          <p:nvPr>
+            <p:ph idx="1"/>
+          </p:nvPr>
+        </p:nvPicPr>
+        <p:blipFill>
+          <a:blip r:embed="rId2"/>
+          <a:stretch>
+            <a:fillRect/>
+          </a:stretch>
+        </p:blipFill>
+        <p:spPr>
+          <a:xfrm>
+            <a:off x="1857375" y="2669381"/>
+            <a:ext cx="7439025" cy="2962275"/>
+          </a:xfrm>
+          <a:prstGeom prst="rect">
+            <a:avLst/>
+          </a:prstGeom>
+        </p:spPr>
+      </p:pic>
+    </p:spTree>
+    <p:extLst>
+      <p:ext uri="{BB962C8B-B14F-4D97-AF65-F5344CB8AC3E}">
+        <p14:creationId xmlns:p14="http://schemas.microsoft.com/office/powerpoint/2010/main" val="4206026875"/>
+      </p:ext>
+    </p:extLst>
+  </p:cSld>
+  <p:clrMapOvr>
+    <a:masterClrMapping/>
+  </p:clrMapOvr>
+</p:sld>
+</file>
+
+<file path=ppt/slides/slide17.xml><?xml version="1.0" encoding="utf-8"?>
+<p:sld xmlns:a="http://schemas.openxmlformats.org/drawingml/2006/main" xmlns:r="http://schemas.openxmlformats.org/officeDocument/2006/relationships" xmlns:p="http://schemas.openxmlformats.org/presentationml/2006/main">
+  <p:cSld>
+    <p:spTree>
+      <p:nvGrpSpPr>
+        <p:cNvPr id="1" name=""/>
+        <p:cNvGrpSpPr/>
+        <p:nvPr/>
+      </p:nvGrpSpPr>
+      <p:grpSpPr>
+        <a:xfrm>
+          <a:off x="0" y="0"/>
+          <a:ext cx="0" cy="0"/>
+          <a:chOff x="0" y="0"/>
+          <a:chExt cx="0" cy="0"/>
+        </a:xfrm>
+      </p:grpSpPr>
+      <p:sp>
+        <p:nvSpPr>
+          <p:cNvPr id="2" name="Заголовок 1"/>
+          <p:cNvSpPr>
+            <a:spLocks noGrp="1"/>
+          </p:cNvSpPr>
+          <p:nvPr>
+            <p:ph type="title"/>
+          </p:nvPr>
+        </p:nvSpPr>
+        <p:spPr/>
+        <p:txBody>
+          <a:bodyPr/>
+          <a:lstStyle/>
+          <a:p>
+            <a:r>
+              <a:rPr lang="ru-RU" dirty="0" smtClean="0"/>
+              <a:t>Добавляем </a:t>
+            </a:r>
+            <a:r>
+              <a:rPr lang="en-US" dirty="0" smtClean="0"/>
+              <a:t>listener </a:t>
+            </a:r>
+            <a:r>
+              <a:rPr lang="ru-RU" dirty="0" smtClean="0"/>
+              <a:t>для проверки</a:t>
+            </a:r>
+            <a:endParaRPr lang="ru-RU" dirty="0"/>
+          </a:p>
+        </p:txBody>
+      </p:sp>
+      <p:pic>
+        <p:nvPicPr>
+          <p:cNvPr id="4" name="Объект 3"/>
+          <p:cNvPicPr>
+            <a:picLocks noGrp="1" noChangeAspect="1"/>
+          </p:cNvPicPr>
+          <p:nvPr>
+            <p:ph idx="1"/>
+          </p:nvPr>
+        </p:nvPicPr>
+        <p:blipFill>
+          <a:blip r:embed="rId2"/>
+          <a:stretch>
+            <a:fillRect/>
+          </a:stretch>
+        </p:blipFill>
+        <p:spPr>
+          <a:xfrm>
+            <a:off x="1595438" y="2226469"/>
+            <a:ext cx="7962900" cy="3848100"/>
+          </a:xfrm>
+          <a:prstGeom prst="rect">
+            <a:avLst/>
+          </a:prstGeom>
+        </p:spPr>
+      </p:pic>
+    </p:spTree>
+    <p:extLst>
+      <p:ext uri="{BB962C8B-B14F-4D97-AF65-F5344CB8AC3E}">
+        <p14:creationId xmlns:p14="http://schemas.microsoft.com/office/powerpoint/2010/main" val="1635311394"/>
+      </p:ext>
+    </p:extLst>
+  </p:cSld>
+  <p:clrMapOvr>
+    <a:masterClrMapping/>
+  </p:clrMapOvr>
+</p:sld>
+</file>
+
+<file path=ppt/slides/slide18.xml><?xml version="1.0" encoding="utf-8"?>
+<p:sld xmlns:a="http://schemas.openxmlformats.org/drawingml/2006/main" xmlns:r="http://schemas.openxmlformats.org/officeDocument/2006/relationships" xmlns:p="http://schemas.openxmlformats.org/presentationml/2006/main">
+  <p:cSld>
+    <p:spTree>
+      <p:nvGrpSpPr>
+        <p:cNvPr id="1" name=""/>
+        <p:cNvGrpSpPr/>
+        <p:nvPr/>
+      </p:nvGrpSpPr>
+      <p:grpSpPr>
+        <a:xfrm>
+          <a:off x="0" y="0"/>
+          <a:ext cx="0" cy="0"/>
+          <a:chOff x="0" y="0"/>
+          <a:chExt cx="0" cy="0"/>
+        </a:xfrm>
+      </p:grpSpPr>
+      <p:sp>
+        <p:nvSpPr>
+          <p:cNvPr id="2" name="Заголовок 1"/>
+          <p:cNvSpPr>
+            <a:spLocks noGrp="1"/>
+          </p:cNvSpPr>
+          <p:nvPr>
+            <p:ph type="title"/>
+          </p:nvPr>
+        </p:nvSpPr>
+        <p:spPr/>
+        <p:txBody>
+          <a:bodyPr/>
+          <a:lstStyle/>
+          <a:p>
+            <a:pPr algn="ctr"/>
+            <a:r>
+              <a:rPr lang="ru-RU" dirty="0" smtClean="0"/>
+              <a:t>Получили </a:t>
+            </a:r>
+            <a:r>
+              <a:rPr lang="ru-RU" dirty="0" err="1" smtClean="0"/>
+              <a:t>токен</a:t>
+            </a:r>
+            <a:endParaRPr lang="ru-RU" dirty="0"/>
+          </a:p>
+        </p:txBody>
+      </p:sp>
+      <p:pic>
+        <p:nvPicPr>
+          <p:cNvPr id="4" name="Объект 3"/>
+          <p:cNvPicPr>
+            <a:picLocks noGrp="1" noChangeAspect="1"/>
+          </p:cNvPicPr>
+          <p:nvPr>
+            <p:ph idx="1"/>
+          </p:nvPr>
+        </p:nvPicPr>
+        <p:blipFill>
+          <a:blip r:embed="rId2"/>
+          <a:stretch>
+            <a:fillRect/>
+          </a:stretch>
+        </p:blipFill>
+        <p:spPr>
+          <a:xfrm>
+            <a:off x="1161888" y="2052638"/>
+            <a:ext cx="8830000" cy="4195762"/>
+          </a:xfrm>
+          <a:prstGeom prst="rect">
+            <a:avLst/>
+          </a:prstGeom>
+        </p:spPr>
+      </p:pic>
+    </p:spTree>
+    <p:extLst>
+      <p:ext uri="{BB962C8B-B14F-4D97-AF65-F5344CB8AC3E}">
+        <p14:creationId xmlns:p14="http://schemas.microsoft.com/office/powerpoint/2010/main" val="3110849684"/>
+      </p:ext>
+    </p:extLst>
+  </p:cSld>
+  <p:clrMapOvr>
+    <a:masterClrMapping/>
+  </p:clrMapOvr>
+</p:sld>
+</file>
+
+<file path=ppt/slides/slide19.xml><?xml version="1.0" encoding="utf-8"?>
+<p:sld xmlns:a="http://schemas.openxmlformats.org/drawingml/2006/main" xmlns:r="http://schemas.openxmlformats.org/officeDocument/2006/relationships" xmlns:p="http://schemas.openxmlformats.org/presentationml/2006/main">
+  <p:cSld>
+    <p:spTree>
+      <p:nvGrpSpPr>
+        <p:cNvPr id="1" name=""/>
+        <p:cNvGrpSpPr/>
+        <p:nvPr/>
+      </p:nvGrpSpPr>
+      <p:grpSpPr>
+        <a:xfrm>
+          <a:off x="0" y="0"/>
+          <a:ext cx="0" cy="0"/>
+          <a:chOff x="0" y="0"/>
+          <a:chExt cx="0" cy="0"/>
+        </a:xfrm>
+      </p:grpSpPr>
+      <p:sp>
+        <p:nvSpPr>
+          <p:cNvPr id="2" name="Заголовок 1"/>
+          <p:cNvSpPr>
+            <a:spLocks noGrp="1"/>
+          </p:cNvSpPr>
+          <p:nvPr>
+            <p:ph type="title"/>
+          </p:nvPr>
+        </p:nvSpPr>
+        <p:spPr/>
+        <p:txBody>
+          <a:bodyPr/>
+          <a:lstStyle/>
+          <a:p>
+            <a:r>
+              <a:rPr lang="ru-RU" dirty="0" smtClean="0"/>
+              <a:t>Добавляем этот плагин</a:t>
+            </a:r>
+            <a:endParaRPr lang="ru-RU" dirty="0"/>
+          </a:p>
+        </p:txBody>
+      </p:sp>
+      <p:pic>
+        <p:nvPicPr>
+          <p:cNvPr id="4" name="Объект 3"/>
+          <p:cNvPicPr>
+            <a:picLocks noGrp="1" noChangeAspect="1"/>
+          </p:cNvPicPr>
+          <p:nvPr>
+            <p:ph idx="1"/>
+          </p:nvPr>
+        </p:nvPicPr>
+        <p:blipFill>
+          <a:blip r:embed="rId2"/>
+          <a:stretch>
+            <a:fillRect/>
+          </a:stretch>
+        </p:blipFill>
+        <p:spPr>
+          <a:xfrm>
+            <a:off x="1103313" y="2579929"/>
+            <a:ext cx="8947150" cy="3141179"/>
+          </a:xfrm>
+          <a:prstGeom prst="rect">
+            <a:avLst/>
+          </a:prstGeom>
+        </p:spPr>
+      </p:pic>
+    </p:spTree>
+    <p:extLst>
+      <p:ext uri="{BB962C8B-B14F-4D97-AF65-F5344CB8AC3E}">
+        <p14:creationId xmlns:p14="http://schemas.microsoft.com/office/powerpoint/2010/main" val="2968042510"/>
+      </p:ext>
+    </p:extLst>
+  </p:cSld>
+  <p:clrMapOvr>
+    <a:masterClrMapping/>
+  </p:clrMapOvr>
+</p:sld>
+</file>
+
 <file path=ppt/slides/slide2.xml><?xml version="1.0" encoding="utf-8"?>
 <p:sld xmlns:a="http://schemas.openxmlformats.org/drawingml/2006/main" xmlns:r="http://schemas.openxmlformats.org/officeDocument/2006/relationships" xmlns:p="http://schemas.openxmlformats.org/presentationml/2006/main">
   <p:cSld>
@@ -6268,6 +7215,959 @@
 </p:sld>
 </file>
 
+<file path=ppt/slides/slide20.xml><?xml version="1.0" encoding="utf-8"?>
+<p:sld xmlns:a="http://schemas.openxmlformats.org/drawingml/2006/main" xmlns:r="http://schemas.openxmlformats.org/officeDocument/2006/relationships" xmlns:p="http://schemas.openxmlformats.org/presentationml/2006/main">
+  <p:cSld>
+    <p:spTree>
+      <p:nvGrpSpPr>
+        <p:cNvPr id="1" name=""/>
+        <p:cNvGrpSpPr/>
+        <p:nvPr/>
+      </p:nvGrpSpPr>
+      <p:grpSpPr>
+        <a:xfrm>
+          <a:off x="0" y="0"/>
+          <a:ext cx="0" cy="0"/>
+          <a:chOff x="0" y="0"/>
+          <a:chExt cx="0" cy="0"/>
+        </a:xfrm>
+      </p:grpSpPr>
+      <p:sp>
+        <p:nvSpPr>
+          <p:cNvPr id="2" name="Заголовок 1"/>
+          <p:cNvSpPr>
+            <a:spLocks noGrp="1"/>
+          </p:cNvSpPr>
+          <p:nvPr>
+            <p:ph type="title"/>
+          </p:nvPr>
+        </p:nvSpPr>
+        <p:spPr/>
+        <p:txBody>
+          <a:bodyPr/>
+          <a:lstStyle/>
+          <a:p>
+            <a:pPr algn="ctr"/>
+            <a:r>
+              <a:rPr lang="ru-RU" sz="2800" dirty="0" smtClean="0"/>
+              <a:t>Что бы вставить </a:t>
+            </a:r>
+            <a:r>
+              <a:rPr lang="ru-RU" sz="2800" dirty="0" err="1" smtClean="0"/>
+              <a:t>токен</a:t>
+            </a:r>
+            <a:r>
+              <a:rPr lang="ru-RU" sz="2800" dirty="0" smtClean="0"/>
+              <a:t> который в окружении висит, нужно сделать препроцессор, который нужно сделать до самих тестов</a:t>
+            </a:r>
+            <a:endParaRPr lang="ru-RU" sz="2800" dirty="0"/>
+          </a:p>
+        </p:txBody>
+      </p:sp>
+      <p:pic>
+        <p:nvPicPr>
+          <p:cNvPr id="4" name="Объект 3"/>
+          <p:cNvPicPr>
+            <a:picLocks noGrp="1" noChangeAspect="1"/>
+          </p:cNvPicPr>
+          <p:nvPr>
+            <p:ph idx="1"/>
+          </p:nvPr>
+        </p:nvPicPr>
+        <p:blipFill>
+          <a:blip r:embed="rId2"/>
+          <a:stretch>
+            <a:fillRect/>
+          </a:stretch>
+        </p:blipFill>
+        <p:spPr>
+          <a:xfrm>
+            <a:off x="1214438" y="2231231"/>
+            <a:ext cx="8724900" cy="3838575"/>
+          </a:xfrm>
+          <a:prstGeom prst="rect">
+            <a:avLst/>
+          </a:prstGeom>
+        </p:spPr>
+      </p:pic>
+    </p:spTree>
+    <p:extLst>
+      <p:ext uri="{BB962C8B-B14F-4D97-AF65-F5344CB8AC3E}">
+        <p14:creationId xmlns:p14="http://schemas.microsoft.com/office/powerpoint/2010/main" val="1617747564"/>
+      </p:ext>
+    </p:extLst>
+  </p:cSld>
+  <p:clrMapOvr>
+    <a:masterClrMapping/>
+  </p:clrMapOvr>
+</p:sld>
+</file>
+
+<file path=ppt/slides/slide21.xml><?xml version="1.0" encoding="utf-8"?>
+<p:sld xmlns:a="http://schemas.openxmlformats.org/drawingml/2006/main" xmlns:r="http://schemas.openxmlformats.org/officeDocument/2006/relationships" xmlns:p="http://schemas.openxmlformats.org/presentationml/2006/main">
+  <p:cSld>
+    <p:spTree>
+      <p:nvGrpSpPr>
+        <p:cNvPr id="1" name=""/>
+        <p:cNvGrpSpPr/>
+        <p:nvPr/>
+      </p:nvGrpSpPr>
+      <p:grpSpPr>
+        <a:xfrm>
+          <a:off x="0" y="0"/>
+          <a:ext cx="0" cy="0"/>
+          <a:chOff x="0" y="0"/>
+          <a:chExt cx="0" cy="0"/>
+        </a:xfrm>
+      </p:grpSpPr>
+      <p:sp>
+        <p:nvSpPr>
+          <p:cNvPr id="2" name="Заголовок 1"/>
+          <p:cNvSpPr>
+            <a:spLocks noGrp="1"/>
+          </p:cNvSpPr>
+          <p:nvPr>
+            <p:ph type="title"/>
+          </p:nvPr>
+        </p:nvSpPr>
+        <p:spPr/>
+        <p:txBody>
+          <a:bodyPr/>
+          <a:lstStyle/>
+          <a:p>
+            <a:r>
+              <a:rPr lang="ru-RU" dirty="0" smtClean="0"/>
+              <a:t>В этом процессе вводим скрипт</a:t>
+            </a:r>
+            <a:endParaRPr lang="ru-RU" dirty="0"/>
+          </a:p>
+        </p:txBody>
+      </p:sp>
+      <p:pic>
+        <p:nvPicPr>
+          <p:cNvPr id="4" name="Объект 3"/>
+          <p:cNvPicPr>
+            <a:picLocks noGrp="1" noChangeAspect="1"/>
+          </p:cNvPicPr>
+          <p:nvPr>
+            <p:ph idx="1"/>
+          </p:nvPr>
+        </p:nvPicPr>
+        <p:blipFill>
+          <a:blip r:embed="rId2"/>
+          <a:stretch>
+            <a:fillRect/>
+          </a:stretch>
+        </p:blipFill>
+        <p:spPr>
+          <a:xfrm>
+            <a:off x="1414463" y="2655094"/>
+            <a:ext cx="8324850" cy="2990850"/>
+          </a:xfrm>
+          <a:prstGeom prst="rect">
+            <a:avLst/>
+          </a:prstGeom>
+        </p:spPr>
+      </p:pic>
+    </p:spTree>
+    <p:extLst>
+      <p:ext uri="{BB962C8B-B14F-4D97-AF65-F5344CB8AC3E}">
+        <p14:creationId xmlns:p14="http://schemas.microsoft.com/office/powerpoint/2010/main" val="2492291645"/>
+      </p:ext>
+    </p:extLst>
+  </p:cSld>
+  <p:clrMapOvr>
+    <a:masterClrMapping/>
+  </p:clrMapOvr>
+</p:sld>
+</file>
+
+<file path=ppt/slides/slide22.xml><?xml version="1.0" encoding="utf-8"?>
+<p:sld xmlns:a="http://schemas.openxmlformats.org/drawingml/2006/main" xmlns:r="http://schemas.openxmlformats.org/officeDocument/2006/relationships" xmlns:p="http://schemas.openxmlformats.org/presentationml/2006/main">
+  <p:cSld>
+    <p:spTree>
+      <p:nvGrpSpPr>
+        <p:cNvPr id="1" name=""/>
+        <p:cNvGrpSpPr/>
+        <p:nvPr/>
+      </p:nvGrpSpPr>
+      <p:grpSpPr>
+        <a:xfrm>
+          <a:off x="0" y="0"/>
+          <a:ext cx="0" cy="0"/>
+          <a:chOff x="0" y="0"/>
+          <a:chExt cx="0" cy="0"/>
+        </a:xfrm>
+      </p:grpSpPr>
+      <p:sp>
+        <p:nvSpPr>
+          <p:cNvPr id="2" name="Заголовок 1"/>
+          <p:cNvSpPr>
+            <a:spLocks noGrp="1"/>
+          </p:cNvSpPr>
+          <p:nvPr>
+            <p:ph type="title"/>
+          </p:nvPr>
+        </p:nvSpPr>
+        <p:spPr/>
+        <p:txBody>
+          <a:bodyPr/>
+          <a:lstStyle/>
+          <a:p>
+            <a:r>
+              <a:rPr lang="ru-RU" sz="2800" dirty="0" smtClean="0"/>
+              <a:t>Добавляем </a:t>
+            </a:r>
+            <a:r>
+              <a:rPr lang="en-US" sz="2800" dirty="0" smtClean="0"/>
+              <a:t>defaults request </a:t>
+            </a:r>
+            <a:r>
+              <a:rPr lang="ru-RU" sz="2800" dirty="0" smtClean="0"/>
+              <a:t>что бы все методы которые будем запускать  имели одну шапку</a:t>
+            </a:r>
+            <a:endParaRPr lang="ru-RU" sz="2800" dirty="0"/>
+          </a:p>
+        </p:txBody>
+      </p:sp>
+      <p:pic>
+        <p:nvPicPr>
+          <p:cNvPr id="4" name="Объект 3"/>
+          <p:cNvPicPr>
+            <a:picLocks noGrp="1" noChangeAspect="1"/>
+          </p:cNvPicPr>
+          <p:nvPr>
+            <p:ph idx="1"/>
+          </p:nvPr>
+        </p:nvPicPr>
+        <p:blipFill>
+          <a:blip r:embed="rId2"/>
+          <a:stretch>
+            <a:fillRect/>
+          </a:stretch>
+        </p:blipFill>
+        <p:spPr>
+          <a:xfrm>
+            <a:off x="2001881" y="2052638"/>
+            <a:ext cx="7150013" cy="4195762"/>
+          </a:xfrm>
+          <a:prstGeom prst="rect">
+            <a:avLst/>
+          </a:prstGeom>
+        </p:spPr>
+      </p:pic>
+    </p:spTree>
+    <p:extLst>
+      <p:ext uri="{BB962C8B-B14F-4D97-AF65-F5344CB8AC3E}">
+        <p14:creationId xmlns:p14="http://schemas.microsoft.com/office/powerpoint/2010/main" val="2835249085"/>
+      </p:ext>
+    </p:extLst>
+  </p:cSld>
+  <p:clrMapOvr>
+    <a:masterClrMapping/>
+  </p:clrMapOvr>
+</p:sld>
+</file>
+
+<file path=ppt/slides/slide23.xml><?xml version="1.0" encoding="utf-8"?>
+<p:sld xmlns:a="http://schemas.openxmlformats.org/drawingml/2006/main" xmlns:r="http://schemas.openxmlformats.org/officeDocument/2006/relationships" xmlns:p="http://schemas.openxmlformats.org/presentationml/2006/main">
+  <p:cSld>
+    <p:spTree>
+      <p:nvGrpSpPr>
+        <p:cNvPr id="1" name=""/>
+        <p:cNvGrpSpPr/>
+        <p:nvPr/>
+      </p:nvGrpSpPr>
+      <p:grpSpPr>
+        <a:xfrm>
+          <a:off x="0" y="0"/>
+          <a:ext cx="0" cy="0"/>
+          <a:chOff x="0" y="0"/>
+          <a:chExt cx="0" cy="0"/>
+        </a:xfrm>
+      </p:grpSpPr>
+      <p:sp>
+        <p:nvSpPr>
+          <p:cNvPr id="2" name="Заголовок 1"/>
+          <p:cNvSpPr>
+            <a:spLocks noGrp="1"/>
+          </p:cNvSpPr>
+          <p:nvPr>
+            <p:ph type="title"/>
+          </p:nvPr>
+        </p:nvSpPr>
+        <p:spPr/>
+        <p:txBody>
+          <a:bodyPr/>
+          <a:lstStyle/>
+          <a:p>
+            <a:pPr algn="ctr"/>
+            <a:r>
+              <a:rPr lang="ru-RU" dirty="0" smtClean="0"/>
+              <a:t>Заполняем поля</a:t>
+            </a:r>
+            <a:endParaRPr lang="ru-RU" dirty="0"/>
+          </a:p>
+        </p:txBody>
+      </p:sp>
+      <p:pic>
+        <p:nvPicPr>
+          <p:cNvPr id="4" name="Объект 3"/>
+          <p:cNvPicPr>
+            <a:picLocks noGrp="1" noChangeAspect="1"/>
+          </p:cNvPicPr>
+          <p:nvPr>
+            <p:ph idx="1"/>
+          </p:nvPr>
+        </p:nvPicPr>
+        <p:blipFill>
+          <a:blip r:embed="rId2"/>
+          <a:stretch>
+            <a:fillRect/>
+          </a:stretch>
+        </p:blipFill>
+        <p:spPr>
+          <a:xfrm>
+            <a:off x="1103313" y="2669302"/>
+            <a:ext cx="8947150" cy="2962434"/>
+          </a:xfrm>
+          <a:prstGeom prst="rect">
+            <a:avLst/>
+          </a:prstGeom>
+        </p:spPr>
+      </p:pic>
+    </p:spTree>
+    <p:extLst>
+      <p:ext uri="{BB962C8B-B14F-4D97-AF65-F5344CB8AC3E}">
+        <p14:creationId xmlns:p14="http://schemas.microsoft.com/office/powerpoint/2010/main" val="488765175"/>
+      </p:ext>
+    </p:extLst>
+  </p:cSld>
+  <p:clrMapOvr>
+    <a:masterClrMapping/>
+  </p:clrMapOvr>
+</p:sld>
+</file>
+
+<file path=ppt/slides/slide24.xml><?xml version="1.0" encoding="utf-8"?>
+<p:sld xmlns:a="http://schemas.openxmlformats.org/drawingml/2006/main" xmlns:r="http://schemas.openxmlformats.org/officeDocument/2006/relationships" xmlns:p="http://schemas.openxmlformats.org/presentationml/2006/main">
+  <p:cSld>
+    <p:spTree>
+      <p:nvGrpSpPr>
+        <p:cNvPr id="1" name=""/>
+        <p:cNvGrpSpPr/>
+        <p:nvPr/>
+      </p:nvGrpSpPr>
+      <p:grpSpPr>
+        <a:xfrm>
+          <a:off x="0" y="0"/>
+          <a:ext cx="0" cy="0"/>
+          <a:chOff x="0" y="0"/>
+          <a:chExt cx="0" cy="0"/>
+        </a:xfrm>
+      </p:grpSpPr>
+      <p:sp>
+        <p:nvSpPr>
+          <p:cNvPr id="2" name="Заголовок 1"/>
+          <p:cNvSpPr>
+            <a:spLocks noGrp="1"/>
+          </p:cNvSpPr>
+          <p:nvPr>
+            <p:ph type="title"/>
+          </p:nvPr>
+        </p:nvSpPr>
+        <p:spPr/>
+        <p:txBody>
+          <a:bodyPr/>
+          <a:lstStyle/>
+          <a:p>
+            <a:pPr algn="ctr"/>
+            <a:r>
+              <a:rPr lang="ru-RU" dirty="0" smtClean="0"/>
+              <a:t>Создаем запрос</a:t>
+            </a:r>
+            <a:endParaRPr lang="ru-RU" dirty="0"/>
+          </a:p>
+        </p:txBody>
+      </p:sp>
+      <p:pic>
+        <p:nvPicPr>
+          <p:cNvPr id="4" name="Объект 3"/>
+          <p:cNvPicPr>
+            <a:picLocks noGrp="1" noChangeAspect="1"/>
+          </p:cNvPicPr>
+          <p:nvPr>
+            <p:ph idx="1"/>
+          </p:nvPr>
+        </p:nvPicPr>
+        <p:blipFill>
+          <a:blip r:embed="rId2"/>
+          <a:stretch>
+            <a:fillRect/>
+          </a:stretch>
+        </p:blipFill>
+        <p:spPr>
+          <a:xfrm>
+            <a:off x="1200150" y="2936081"/>
+            <a:ext cx="8753475" cy="2428875"/>
+          </a:xfrm>
+          <a:prstGeom prst="rect">
+            <a:avLst/>
+          </a:prstGeom>
+        </p:spPr>
+      </p:pic>
+    </p:spTree>
+    <p:extLst>
+      <p:ext uri="{BB962C8B-B14F-4D97-AF65-F5344CB8AC3E}">
+        <p14:creationId xmlns:p14="http://schemas.microsoft.com/office/powerpoint/2010/main" val="1134097728"/>
+      </p:ext>
+    </p:extLst>
+  </p:cSld>
+  <p:clrMapOvr>
+    <a:masterClrMapping/>
+  </p:clrMapOvr>
+</p:sld>
+</file>
+
+<file path=ppt/slides/slide25.xml><?xml version="1.0" encoding="utf-8"?>
+<p:sld xmlns:a="http://schemas.openxmlformats.org/drawingml/2006/main" xmlns:r="http://schemas.openxmlformats.org/officeDocument/2006/relationships" xmlns:p="http://schemas.openxmlformats.org/presentationml/2006/main">
+  <p:cSld>
+    <p:spTree>
+      <p:nvGrpSpPr>
+        <p:cNvPr id="1" name=""/>
+        <p:cNvGrpSpPr/>
+        <p:nvPr/>
+      </p:nvGrpSpPr>
+      <p:grpSpPr>
+        <a:xfrm>
+          <a:off x="0" y="0"/>
+          <a:ext cx="0" cy="0"/>
+          <a:chOff x="0" y="0"/>
+          <a:chExt cx="0" cy="0"/>
+        </a:xfrm>
+      </p:grpSpPr>
+      <p:sp>
+        <p:nvSpPr>
+          <p:cNvPr id="2" name="Заголовок 1"/>
+          <p:cNvSpPr>
+            <a:spLocks noGrp="1"/>
+          </p:cNvSpPr>
+          <p:nvPr>
+            <p:ph type="title"/>
+          </p:nvPr>
+        </p:nvSpPr>
+        <p:spPr/>
+        <p:txBody>
+          <a:bodyPr/>
+          <a:lstStyle/>
+          <a:p>
+            <a:pPr algn="ctr"/>
+            <a:r>
+              <a:rPr lang="ru-RU" dirty="0" smtClean="0"/>
+              <a:t>Вводим данные запроса</a:t>
+            </a:r>
+            <a:endParaRPr lang="ru-RU" dirty="0"/>
+          </a:p>
+        </p:txBody>
+      </p:sp>
+      <p:pic>
+        <p:nvPicPr>
+          <p:cNvPr id="4" name="Объект 3"/>
+          <p:cNvPicPr>
+            <a:picLocks noGrp="1" noChangeAspect="1"/>
+          </p:cNvPicPr>
+          <p:nvPr>
+            <p:ph idx="1"/>
+          </p:nvPr>
+        </p:nvPicPr>
+        <p:blipFill>
+          <a:blip r:embed="rId2"/>
+          <a:stretch>
+            <a:fillRect/>
+          </a:stretch>
+        </p:blipFill>
+        <p:spPr>
+          <a:xfrm>
+            <a:off x="1103313" y="2454673"/>
+            <a:ext cx="8947150" cy="3391691"/>
+          </a:xfrm>
+          <a:prstGeom prst="rect">
+            <a:avLst/>
+          </a:prstGeom>
+        </p:spPr>
+      </p:pic>
+    </p:spTree>
+    <p:extLst>
+      <p:ext uri="{BB962C8B-B14F-4D97-AF65-F5344CB8AC3E}">
+        <p14:creationId xmlns:p14="http://schemas.microsoft.com/office/powerpoint/2010/main" val="62147818"/>
+      </p:ext>
+    </p:extLst>
+  </p:cSld>
+  <p:clrMapOvr>
+    <a:masterClrMapping/>
+  </p:clrMapOvr>
+</p:sld>
+</file>
+
+<file path=ppt/slides/slide26.xml><?xml version="1.0" encoding="utf-8"?>
+<p:sld xmlns:a="http://schemas.openxmlformats.org/drawingml/2006/main" xmlns:r="http://schemas.openxmlformats.org/officeDocument/2006/relationships" xmlns:p="http://schemas.openxmlformats.org/presentationml/2006/main">
+  <p:cSld>
+    <p:spTree>
+      <p:nvGrpSpPr>
+        <p:cNvPr id="1" name=""/>
+        <p:cNvGrpSpPr/>
+        <p:nvPr/>
+      </p:nvGrpSpPr>
+      <p:grpSpPr>
+        <a:xfrm>
+          <a:off x="0" y="0"/>
+          <a:ext cx="0" cy="0"/>
+          <a:chOff x="0" y="0"/>
+          <a:chExt cx="0" cy="0"/>
+        </a:xfrm>
+      </p:grpSpPr>
+      <p:sp>
+        <p:nvSpPr>
+          <p:cNvPr id="2" name="Заголовок 1"/>
+          <p:cNvSpPr>
+            <a:spLocks noGrp="1"/>
+          </p:cNvSpPr>
+          <p:nvPr>
+            <p:ph type="title"/>
+          </p:nvPr>
+        </p:nvSpPr>
+        <p:spPr/>
+        <p:txBody>
+          <a:bodyPr/>
+          <a:lstStyle/>
+          <a:p>
+            <a:pPr algn="ctr"/>
+            <a:r>
+              <a:rPr lang="ru-RU" dirty="0" smtClean="0"/>
+              <a:t>Переходим к самому </a:t>
+            </a:r>
+            <a:r>
+              <a:rPr lang="en-US" dirty="0" smtClean="0"/>
+              <a:t>stepping thread group</a:t>
+            </a:r>
+            <a:endParaRPr lang="ru-RU" dirty="0"/>
+          </a:p>
+        </p:txBody>
+      </p:sp>
+      <p:pic>
+        <p:nvPicPr>
+          <p:cNvPr id="4" name="Объект 3"/>
+          <p:cNvPicPr>
+            <a:picLocks noGrp="1" noChangeAspect="1"/>
+          </p:cNvPicPr>
+          <p:nvPr>
+            <p:ph idx="1"/>
+          </p:nvPr>
+        </p:nvPicPr>
+        <p:blipFill>
+          <a:blip r:embed="rId2"/>
+          <a:stretch>
+            <a:fillRect/>
+          </a:stretch>
+        </p:blipFill>
+        <p:spPr>
+          <a:xfrm>
+            <a:off x="288665" y="1853247"/>
+            <a:ext cx="11657930" cy="3641465"/>
+          </a:xfrm>
+          <a:prstGeom prst="rect">
+            <a:avLst/>
+          </a:prstGeom>
+        </p:spPr>
+      </p:pic>
+    </p:spTree>
+    <p:extLst>
+      <p:ext uri="{BB962C8B-B14F-4D97-AF65-F5344CB8AC3E}">
+        <p14:creationId xmlns:p14="http://schemas.microsoft.com/office/powerpoint/2010/main" val="668643490"/>
+      </p:ext>
+    </p:extLst>
+  </p:cSld>
+  <p:clrMapOvr>
+    <a:masterClrMapping/>
+  </p:clrMapOvr>
+</p:sld>
+</file>
+
+<file path=ppt/slides/slide27.xml><?xml version="1.0" encoding="utf-8"?>
+<p:sld xmlns:a="http://schemas.openxmlformats.org/drawingml/2006/main" xmlns:r="http://schemas.openxmlformats.org/officeDocument/2006/relationships" xmlns:p="http://schemas.openxmlformats.org/presentationml/2006/main">
+  <p:cSld>
+    <p:spTree>
+      <p:nvGrpSpPr>
+        <p:cNvPr id="1" name=""/>
+        <p:cNvGrpSpPr/>
+        <p:nvPr/>
+      </p:nvGrpSpPr>
+      <p:grpSpPr>
+        <a:xfrm>
+          <a:off x="0" y="0"/>
+          <a:ext cx="0" cy="0"/>
+          <a:chOff x="0" y="0"/>
+          <a:chExt cx="0" cy="0"/>
+        </a:xfrm>
+      </p:grpSpPr>
+      <p:sp>
+        <p:nvSpPr>
+          <p:cNvPr id="2" name="Заголовок 1"/>
+          <p:cNvSpPr>
+            <a:spLocks noGrp="1"/>
+          </p:cNvSpPr>
+          <p:nvPr>
+            <p:ph type="title"/>
+          </p:nvPr>
+        </p:nvSpPr>
+        <p:spPr/>
+        <p:txBody>
+          <a:bodyPr/>
+          <a:lstStyle/>
+          <a:p>
+            <a:r>
+              <a:rPr lang="ru-RU" dirty="0" smtClean="0"/>
+              <a:t>Добавляем </a:t>
+            </a:r>
+            <a:r>
+              <a:rPr lang="en-US" dirty="0" smtClean="0"/>
+              <a:t>listeners</a:t>
+            </a:r>
+            <a:endParaRPr lang="ru-RU" dirty="0"/>
+          </a:p>
+        </p:txBody>
+      </p:sp>
+      <p:pic>
+        <p:nvPicPr>
+          <p:cNvPr id="4" name="Объект 3"/>
+          <p:cNvPicPr>
+            <a:picLocks noGrp="1" noChangeAspect="1"/>
+          </p:cNvPicPr>
+          <p:nvPr>
+            <p:ph idx="1"/>
+          </p:nvPr>
+        </p:nvPicPr>
+        <p:blipFill>
+          <a:blip r:embed="rId2"/>
+          <a:stretch>
+            <a:fillRect/>
+          </a:stretch>
+        </p:blipFill>
+        <p:spPr>
+          <a:xfrm>
+            <a:off x="1103313" y="2127827"/>
+            <a:ext cx="8947150" cy="4045384"/>
+          </a:xfrm>
+          <a:prstGeom prst="rect">
+            <a:avLst/>
+          </a:prstGeom>
+        </p:spPr>
+      </p:pic>
+      <p:cxnSp>
+        <p:nvCxnSpPr>
+          <p:cNvPr id="6" name="Прямая соединительная линия 5"/>
+          <p:cNvCxnSpPr/>
+          <p:nvPr/>
+        </p:nvCxnSpPr>
+        <p:spPr>
+          <a:xfrm>
+            <a:off x="5469775" y="4505498"/>
+            <a:ext cx="847898" cy="0"/>
+          </a:xfrm>
+          <a:prstGeom prst="line">
+            <a:avLst/>
+          </a:prstGeom>
+          <a:ln w="38100"/>
+        </p:spPr>
+        <p:style>
+          <a:lnRef idx="1">
+            <a:schemeClr val="accent1"/>
+          </a:lnRef>
+          <a:fillRef idx="0">
+            <a:schemeClr val="accent1"/>
+          </a:fillRef>
+          <a:effectRef idx="0">
+            <a:schemeClr val="accent1"/>
+          </a:effectRef>
+          <a:fontRef idx="minor">
+            <a:schemeClr val="tx1"/>
+          </a:fontRef>
+        </p:style>
+      </p:cxnSp>
+      <p:cxnSp>
+        <p:nvCxnSpPr>
+          <p:cNvPr id="8" name="Прямая соединительная линия 7"/>
+          <p:cNvCxnSpPr/>
+          <p:nvPr/>
+        </p:nvCxnSpPr>
+        <p:spPr>
+          <a:xfrm>
+            <a:off x="5469775" y="4666211"/>
+            <a:ext cx="847898" cy="0"/>
+          </a:xfrm>
+          <a:prstGeom prst="line">
+            <a:avLst/>
+          </a:prstGeom>
+          <a:ln w="38100"/>
+        </p:spPr>
+        <p:style>
+          <a:lnRef idx="1">
+            <a:schemeClr val="accent1"/>
+          </a:lnRef>
+          <a:fillRef idx="0">
+            <a:schemeClr val="accent1"/>
+          </a:fillRef>
+          <a:effectRef idx="0">
+            <a:schemeClr val="accent1"/>
+          </a:effectRef>
+          <a:fontRef idx="minor">
+            <a:schemeClr val="tx1"/>
+          </a:fontRef>
+        </p:style>
+      </p:cxnSp>
+      <p:sp>
+        <p:nvSpPr>
+          <p:cNvPr id="10" name="TextBox 9"/>
+          <p:cNvSpPr txBox="1"/>
+          <p:nvPr/>
+        </p:nvSpPr>
+        <p:spPr>
+          <a:xfrm>
+            <a:off x="6575368" y="4535406"/>
+            <a:ext cx="1762674" cy="261610"/>
+          </a:xfrm>
+          <a:prstGeom prst="rect">
+            <a:avLst/>
+          </a:prstGeom>
+          <a:noFill/>
+        </p:spPr>
+        <p:txBody>
+          <a:bodyPr wrap="square" rtlCol="0">
+            <a:spAutoFit/>
+          </a:bodyPr>
+          <a:lstStyle/>
+          <a:p>
+            <a:r>
+              <a:rPr lang="ru-RU" sz="1100" b="1" dirty="0" smtClean="0">
+                <a:solidFill>
+                  <a:srgbClr val="FF0000"/>
+                </a:solidFill>
+              </a:rPr>
+              <a:t>И</a:t>
+            </a:r>
+            <a:r>
+              <a:rPr lang="en-US" sz="1100" b="1" dirty="0" smtClean="0">
+                <a:solidFill>
+                  <a:srgbClr val="FF0000"/>
+                </a:solidFill>
+              </a:rPr>
+              <a:t> view results in table</a:t>
+            </a:r>
+            <a:endParaRPr lang="ru-RU" sz="1100" b="1" dirty="0">
+              <a:solidFill>
+                <a:srgbClr val="FF0000"/>
+              </a:solidFill>
+            </a:endParaRPr>
+          </a:p>
+        </p:txBody>
+      </p:sp>
+    </p:spTree>
+    <p:extLst>
+      <p:ext uri="{BB962C8B-B14F-4D97-AF65-F5344CB8AC3E}">
+        <p14:creationId xmlns:p14="http://schemas.microsoft.com/office/powerpoint/2010/main" val="3716745580"/>
+      </p:ext>
+    </p:extLst>
+  </p:cSld>
+  <p:clrMapOvr>
+    <a:masterClrMapping/>
+  </p:clrMapOvr>
+  <p:timing>
+    <p:tnLst>
+      <p:par>
+        <p:cTn id="1" dur="indefinite" restart="never" nodeType="tmRoot"/>
+      </p:par>
+    </p:tnLst>
+  </p:timing>
+</p:sld>
+</file>
+
+<file path=ppt/slides/slide28.xml><?xml version="1.0" encoding="utf-8"?>
+<p:sld xmlns:a="http://schemas.openxmlformats.org/drawingml/2006/main" xmlns:r="http://schemas.openxmlformats.org/officeDocument/2006/relationships" xmlns:p="http://schemas.openxmlformats.org/presentationml/2006/main">
+  <p:cSld>
+    <p:spTree>
+      <p:nvGrpSpPr>
+        <p:cNvPr id="1" name=""/>
+        <p:cNvGrpSpPr/>
+        <p:nvPr/>
+      </p:nvGrpSpPr>
+      <p:grpSpPr>
+        <a:xfrm>
+          <a:off x="0" y="0"/>
+          <a:ext cx="0" cy="0"/>
+          <a:chOff x="0" y="0"/>
+          <a:chExt cx="0" cy="0"/>
+        </a:xfrm>
+      </p:grpSpPr>
+      <p:sp>
+        <p:nvSpPr>
+          <p:cNvPr id="2" name="Заголовок 1"/>
+          <p:cNvSpPr>
+            <a:spLocks noGrp="1"/>
+          </p:cNvSpPr>
+          <p:nvPr>
+            <p:ph type="title"/>
+          </p:nvPr>
+        </p:nvSpPr>
+        <p:spPr/>
+        <p:txBody>
+          <a:bodyPr/>
+          <a:lstStyle/>
+          <a:p>
+            <a:endParaRPr lang="ru-RU"/>
+          </a:p>
+        </p:txBody>
+      </p:sp>
+      <p:pic>
+        <p:nvPicPr>
+          <p:cNvPr id="4" name="Объект 3"/>
+          <p:cNvPicPr>
+            <a:picLocks noGrp="1" noChangeAspect="1"/>
+          </p:cNvPicPr>
+          <p:nvPr>
+            <p:ph idx="1"/>
+          </p:nvPr>
+        </p:nvPicPr>
+        <p:blipFill>
+          <a:blip r:embed="rId2"/>
+          <a:stretch>
+            <a:fillRect/>
+          </a:stretch>
+        </p:blipFill>
+        <p:spPr>
+          <a:xfrm>
+            <a:off x="1103313" y="2053531"/>
+            <a:ext cx="8947150" cy="4193976"/>
+          </a:xfrm>
+          <a:prstGeom prst="rect">
+            <a:avLst/>
+          </a:prstGeom>
+        </p:spPr>
+      </p:pic>
+    </p:spTree>
+    <p:extLst>
+      <p:ext uri="{BB962C8B-B14F-4D97-AF65-F5344CB8AC3E}">
+        <p14:creationId xmlns:p14="http://schemas.microsoft.com/office/powerpoint/2010/main" val="969094633"/>
+      </p:ext>
+    </p:extLst>
+  </p:cSld>
+  <p:clrMapOvr>
+    <a:masterClrMapping/>
+  </p:clrMapOvr>
+  <p:timing>
+    <p:tnLst>
+      <p:par>
+        <p:cTn id="1" dur="indefinite" restart="never" nodeType="tmRoot"/>
+      </p:par>
+    </p:tnLst>
+  </p:timing>
+</p:sld>
+</file>
+
+<file path=ppt/slides/slide29.xml><?xml version="1.0" encoding="utf-8"?>
+<p:sld xmlns:a="http://schemas.openxmlformats.org/drawingml/2006/main" xmlns:r="http://schemas.openxmlformats.org/officeDocument/2006/relationships" xmlns:p="http://schemas.openxmlformats.org/presentationml/2006/main">
+  <p:cSld>
+    <p:spTree>
+      <p:nvGrpSpPr>
+        <p:cNvPr id="1" name=""/>
+        <p:cNvGrpSpPr/>
+        <p:nvPr/>
+      </p:nvGrpSpPr>
+      <p:grpSpPr>
+        <a:xfrm>
+          <a:off x="0" y="0"/>
+          <a:ext cx="0" cy="0"/>
+          <a:chOff x="0" y="0"/>
+          <a:chExt cx="0" cy="0"/>
+        </a:xfrm>
+      </p:grpSpPr>
+      <p:sp>
+        <p:nvSpPr>
+          <p:cNvPr id="2" name="Заголовок 1"/>
+          <p:cNvSpPr>
+            <a:spLocks noGrp="1"/>
+          </p:cNvSpPr>
+          <p:nvPr>
+            <p:ph type="title"/>
+          </p:nvPr>
+        </p:nvSpPr>
+        <p:spPr/>
+        <p:txBody>
+          <a:bodyPr/>
+          <a:lstStyle/>
+          <a:p>
+            <a:pPr algn="ctr"/>
+            <a:r>
+              <a:rPr lang="ru-RU" sz="2800" dirty="0" smtClean="0"/>
+              <a:t>Наш пользовательский сценарий состоит из 1 запроса, теперь добавим еще пару </a:t>
+            </a:r>
+            <a:r>
+              <a:rPr lang="en-US" sz="2800" dirty="0" smtClean="0"/>
+              <a:t>get </a:t>
+            </a:r>
+            <a:r>
+              <a:rPr lang="ru-RU" sz="2800" dirty="0" smtClean="0"/>
+              <a:t>запросов</a:t>
+            </a:r>
+            <a:endParaRPr lang="ru-RU" sz="2800" dirty="0"/>
+          </a:p>
+        </p:txBody>
+      </p:sp>
+      <p:pic>
+        <p:nvPicPr>
+          <p:cNvPr id="4" name="Объект 3"/>
+          <p:cNvPicPr>
+            <a:picLocks noGrp="1" noChangeAspect="1"/>
+          </p:cNvPicPr>
+          <p:nvPr>
+            <p:ph idx="1"/>
+          </p:nvPr>
+        </p:nvPicPr>
+        <p:blipFill>
+          <a:blip r:embed="rId2"/>
+          <a:stretch>
+            <a:fillRect/>
+          </a:stretch>
+        </p:blipFill>
+        <p:spPr>
+          <a:xfrm>
+            <a:off x="729240" y="1959078"/>
+            <a:ext cx="8947150" cy="3667988"/>
+          </a:xfrm>
+          <a:prstGeom prst="rect">
+            <a:avLst/>
+          </a:prstGeom>
+        </p:spPr>
+      </p:pic>
+    </p:spTree>
+    <p:extLst>
+      <p:ext uri="{BB962C8B-B14F-4D97-AF65-F5344CB8AC3E}">
+        <p14:creationId xmlns:p14="http://schemas.microsoft.com/office/powerpoint/2010/main" val="2638267658"/>
+      </p:ext>
+    </p:extLst>
+  </p:cSld>
+  <p:clrMapOvr>
+    <a:masterClrMapping/>
+  </p:clrMapOvr>
+  <p:timing>
+    <p:tnLst>
+      <p:par>
+        <p:cTn id="1" dur="indefinite" restart="never" nodeType="tmRoot"/>
+      </p:par>
+    </p:tnLst>
+  </p:timing>
+</p:sld>
+</file>
+
 <file path=ppt/slides/slide3.xml><?xml version="1.0" encoding="utf-8"?>
 <p:sld xmlns:a="http://schemas.openxmlformats.org/drawingml/2006/main" xmlns:r="http://schemas.openxmlformats.org/officeDocument/2006/relationships" xmlns:p="http://schemas.openxmlformats.org/presentationml/2006/main">
   <p:cSld>
@@ -6352,6 +8252,81 @@
   <p:clrMapOvr>
     <a:masterClrMapping/>
   </p:clrMapOvr>
+</p:sld>
+</file>
+
+<file path=ppt/slides/slide30.xml><?xml version="1.0" encoding="utf-8"?>
+<p:sld xmlns:a="http://schemas.openxmlformats.org/drawingml/2006/main" xmlns:r="http://schemas.openxmlformats.org/officeDocument/2006/relationships" xmlns:p="http://schemas.openxmlformats.org/presentationml/2006/main">
+  <p:cSld>
+    <p:spTree>
+      <p:nvGrpSpPr>
+        <p:cNvPr id="1" name=""/>
+        <p:cNvGrpSpPr/>
+        <p:nvPr/>
+      </p:nvGrpSpPr>
+      <p:grpSpPr>
+        <a:xfrm>
+          <a:off x="0" y="0"/>
+          <a:ext cx="0" cy="0"/>
+          <a:chOff x="0" y="0"/>
+          <a:chExt cx="0" cy="0"/>
+        </a:xfrm>
+      </p:grpSpPr>
+      <p:sp>
+        <p:nvSpPr>
+          <p:cNvPr id="2" name="Заголовок 1"/>
+          <p:cNvSpPr>
+            <a:spLocks noGrp="1"/>
+          </p:cNvSpPr>
+          <p:nvPr>
+            <p:ph type="title"/>
+          </p:nvPr>
+        </p:nvSpPr>
+        <p:spPr/>
+        <p:txBody>
+          <a:bodyPr/>
+          <a:lstStyle/>
+          <a:p>
+            <a:endParaRPr lang="ru-RU"/>
+          </a:p>
+        </p:txBody>
+      </p:sp>
+      <p:sp>
+        <p:nvSpPr>
+          <p:cNvPr id="3" name="Объект 2"/>
+          <p:cNvSpPr>
+            <a:spLocks noGrp="1"/>
+          </p:cNvSpPr>
+          <p:nvPr>
+            <p:ph idx="1"/>
+          </p:nvPr>
+        </p:nvSpPr>
+        <p:spPr/>
+        <p:txBody>
+          <a:bodyPr/>
+          <a:lstStyle/>
+          <a:p>
+            <a:endParaRPr lang="ru-RU"/>
+          </a:p>
+        </p:txBody>
+      </p:sp>
+    </p:spTree>
+    <p:extLst>
+      <p:ext uri="{BB962C8B-B14F-4D97-AF65-F5344CB8AC3E}">
+        <p14:creationId xmlns:p14="http://schemas.microsoft.com/office/powerpoint/2010/main" val="1395045368"/>
+      </p:ext>
+    </p:extLst>
+  </p:cSld>
+  <p:clrMapOvr>
+    <a:masterClrMapping/>
+  </p:clrMapOvr>
+  <p:timing>
+    <p:tnLst>
+      <p:par>
+        <p:cTn id="1" dur="indefinite" restart="never" nodeType="tmRoot"/>
+      </p:par>
+    </p:tnLst>
+  </p:timing>
 </p:sld>
 </file>
 
